--- a/1_cours/Les_bases_théoriques_d_Android.pptx
+++ b/1_cours/Les_bases_théoriques_d_Android.pptx
@@ -203,7 +203,7 @@
           <a:p>
             <a:fld id="{2A11EF29-F031-4460-BDC1-2F4C0816FF62}" type="datetimeFigureOut">
               <a:rPr lang="fr-FR" smtClean="0"/>
-              <a:t>22/12/2017</a:t>
+              <a:t>26/12/2017</a:t>
             </a:fld>
             <a:endParaRPr lang="fr-FR"/>
           </a:p>
@@ -721,7 +721,7 @@
           <a:p>
             <a:fld id="{61E68B4C-A18C-4580-9DBF-10C1B552DA0A}" type="datetime1">
               <a:rPr lang="fr-FR" smtClean="0"/>
-              <a:t>22/12/2017</a:t>
+              <a:t>26/12/2017</a:t>
             </a:fld>
             <a:endParaRPr lang="fr-FR"/>
           </a:p>
@@ -895,7 +895,7 @@
           <a:p>
             <a:fld id="{33BBDF30-760E-44D6-9977-54B88BDB306F}" type="datetime1">
               <a:rPr lang="fr-FR" smtClean="0"/>
-              <a:t>22/12/2017</a:t>
+              <a:t>26/12/2017</a:t>
             </a:fld>
             <a:endParaRPr lang="fr-FR"/>
           </a:p>
@@ -1079,7 +1079,7 @@
           <a:p>
             <a:fld id="{936C1701-50D5-46A3-8884-D7962FCBEB35}" type="datetime1">
               <a:rPr lang="fr-FR" smtClean="0"/>
-              <a:t>22/12/2017</a:t>
+              <a:t>26/12/2017</a:t>
             </a:fld>
             <a:endParaRPr lang="fr-FR"/>
           </a:p>
@@ -1253,7 +1253,7 @@
           <a:p>
             <a:fld id="{FB1C5CD7-A317-4B47-8334-BE6C77F3043D}" type="datetime1">
               <a:rPr lang="fr-FR" smtClean="0"/>
-              <a:t>22/12/2017</a:t>
+              <a:t>26/12/2017</a:t>
             </a:fld>
             <a:endParaRPr lang="fr-FR"/>
           </a:p>
@@ -1503,7 +1503,7 @@
           <a:p>
             <a:fld id="{27BB4E62-2182-4E64-A865-E0316FE55639}" type="datetime1">
               <a:rPr lang="fr-FR" smtClean="0"/>
-              <a:t>22/12/2017</a:t>
+              <a:t>26/12/2017</a:t>
             </a:fld>
             <a:endParaRPr lang="fr-FR"/>
           </a:p>
@@ -1739,7 +1739,7 @@
           <a:p>
             <a:fld id="{5C848654-37BD-4CD6-BC6D-5ABAE3294E16}" type="datetime1">
               <a:rPr lang="fr-FR" smtClean="0"/>
-              <a:t>22/12/2017</a:t>
+              <a:t>26/12/2017</a:t>
             </a:fld>
             <a:endParaRPr lang="fr-FR"/>
           </a:p>
@@ -2110,7 +2110,7 @@
           <a:p>
             <a:fld id="{868D0E6B-48A9-4A38-BF7D-049DC383303E}" type="datetime1">
               <a:rPr lang="fr-FR" smtClean="0"/>
-              <a:t>22/12/2017</a:t>
+              <a:t>26/12/2017</a:t>
             </a:fld>
             <a:endParaRPr lang="fr-FR"/>
           </a:p>
@@ -2232,7 +2232,7 @@
           <a:p>
             <a:fld id="{48C90E04-18E3-4E93-8B1D-B61C20F8CDF0}" type="datetime1">
               <a:rPr lang="fr-FR" smtClean="0"/>
-              <a:t>22/12/2017</a:t>
+              <a:t>26/12/2017</a:t>
             </a:fld>
             <a:endParaRPr lang="fr-FR"/>
           </a:p>
@@ -2331,7 +2331,7 @@
           <a:p>
             <a:fld id="{35B94D30-C13E-4A60-87D1-612090FE3305}" type="datetime1">
               <a:rPr lang="fr-FR" smtClean="0"/>
-              <a:t>22/12/2017</a:t>
+              <a:t>26/12/2017</a:t>
             </a:fld>
             <a:endParaRPr lang="fr-FR"/>
           </a:p>
@@ -2612,7 +2612,7 @@
           <a:p>
             <a:fld id="{566614E8-8C48-447B-8312-B5AD964AE5CA}" type="datetime1">
               <a:rPr lang="fr-FR" smtClean="0"/>
-              <a:t>22/12/2017</a:t>
+              <a:t>26/12/2017</a:t>
             </a:fld>
             <a:endParaRPr lang="fr-FR"/>
           </a:p>
@@ -2869,7 +2869,7 @@
           <a:p>
             <a:fld id="{269CDBDD-4A65-4264-B0FD-6A38E12ADD25}" type="datetime1">
               <a:rPr lang="fr-FR" smtClean="0"/>
-              <a:t>22/12/2017</a:t>
+              <a:t>26/12/2017</a:t>
             </a:fld>
             <a:endParaRPr lang="fr-FR"/>
           </a:p>
@@ -3086,7 +3086,7 @@
           <a:p>
             <a:fld id="{A2F7CCBE-29F8-4CD9-B9A9-0931E30CBD53}" type="datetime1">
               <a:rPr lang="fr-FR" smtClean="0"/>
-              <a:t>22/12/2017</a:t>
+              <a:t>26/12/2017</a:t>
             </a:fld>
             <a:endParaRPr lang="fr-FR"/>
           </a:p>
@@ -3538,15 +3538,7 @@
           <a:p>
             <a:r>
               <a:rPr lang="fr-FR" dirty="0" smtClean="0"/>
-              <a:t>ENSG </a:t>
-            </a:r>
-            <a:r>
-              <a:rPr lang="fr-FR" dirty="0" smtClean="0"/>
-              <a:t>2018, </a:t>
-            </a:r>
-            <a:r>
-              <a:rPr lang="fr-FR" dirty="0" smtClean="0"/>
-              <a:t>Cours d’introduction à Android</a:t>
+              <a:t>ENSG 2018, Cours d’introduction à Android</a:t>
             </a:r>
             <a:endParaRPr lang="fr-FR" dirty="0"/>
           </a:p>
@@ -4266,7 +4258,11 @@
             <a:pPr lvl="1"/>
             <a:r>
               <a:rPr lang="fr-FR" dirty="0" smtClean="0"/>
-              <a:t>List des activités</a:t>
+              <a:t>Liste </a:t>
+            </a:r>
+            <a:r>
+              <a:rPr lang="fr-FR" dirty="0" smtClean="0"/>
+              <a:t>des activités</a:t>
             </a:r>
             <a:endParaRPr lang="fr-FR" dirty="0"/>
           </a:p>
@@ -4636,15 +4632,7 @@
             <a:pPr lvl="1"/>
             <a:r>
               <a:rPr lang="fr-FR" dirty="0" smtClean="0"/>
-              <a:t>menu </a:t>
-            </a:r>
-            <a:r>
-              <a:rPr lang="fr-FR" dirty="0" smtClean="0"/>
-              <a:t>: </a:t>
-            </a:r>
-            <a:r>
-              <a:rPr lang="fr-FR" dirty="0" smtClean="0"/>
-              <a:t>les menus en XML</a:t>
+              <a:t>menu : les menus en XML</a:t>
             </a:r>
           </a:p>
           <a:p>
